--- a/高精度.pptx
+++ b/高精度.pptx
@@ -348,7 +348,7 @@
           <a:p>
             <a:fld id="{E38218ED-E107-436D-A73F-637C7F00A202}" type="datetimeFigureOut">
               <a:rPr lang="zh-CN" altLang="en-US" smtClean="0"/>
-              <a:t>2021/1/21</a:t>
+              <a:t>2021/3/18</a:t>
             </a:fld>
             <a:endParaRPr lang="zh-CN" altLang="en-US"/>
           </a:p>
@@ -514,7 +514,7 @@
           <a:p>
             <a:fld id="{5F903B1B-581E-494D-8612-577FD2B6EDF3}" type="datetimeFigureOut">
               <a:rPr lang="zh-CN" altLang="en-US" smtClean="0"/>
-              <a:t>2021/1/21</a:t>
+              <a:t>2021/3/18</a:t>
             </a:fld>
             <a:endParaRPr lang="zh-CN" altLang="en-US"/>
           </a:p>
@@ -987,7 +987,7 @@
           <a:p>
             <a:fld id="{6C90CF8E-C699-4F8B-9B75-B82487EEBFB2}" type="datetime1">
               <a:rPr lang="zh-CN" altLang="en-US" smtClean="0"/>
-              <a:t>2021/1/21</a:t>
+              <a:t>2021/3/18</a:t>
             </a:fld>
             <a:endParaRPr lang="zh-CN" altLang="en-US" dirty="0"/>
           </a:p>
@@ -1191,7 +1191,7 @@
           <a:p>
             <a:fld id="{48CC1567-6875-49C3-8A29-68B6D842D70D}" type="datetime1">
               <a:rPr lang="zh-CN" altLang="en-US" smtClean="0"/>
-              <a:t>2021/1/21</a:t>
+              <a:t>2021/3/18</a:t>
             </a:fld>
             <a:endParaRPr lang="zh-CN" altLang="en-US"/>
           </a:p>
@@ -1375,7 +1375,7 @@
           <a:p>
             <a:fld id="{F04AEC86-E7DC-4C47-8830-D2F1FA1FB4D8}" type="datetime1">
               <a:rPr lang="zh-CN" altLang="en-US" smtClean="0"/>
-              <a:t>2021/1/21</a:t>
+              <a:t>2021/3/18</a:t>
             </a:fld>
             <a:endParaRPr lang="zh-CN" altLang="en-US"/>
           </a:p>
@@ -1622,7 +1622,7 @@
           <a:p>
             <a:fld id="{7747DCFC-6919-40DE-B306-59988C792B11}" type="datetime1">
               <a:rPr lang="zh-CN" altLang="en-US" smtClean="0"/>
-              <a:t>2021/1/21</a:t>
+              <a:t>2021/3/18</a:t>
             </a:fld>
             <a:endParaRPr lang="zh-CN" altLang="en-US" dirty="0"/>
           </a:p>
@@ -2273,7 +2273,7 @@
           <a:p>
             <a:fld id="{1CFA7194-AB03-4748-B228-23A109441780}" type="datetime1">
               <a:rPr lang="zh-CN" altLang="en-US" smtClean="0"/>
-              <a:t>2021/1/21</a:t>
+              <a:t>2021/3/18</a:t>
             </a:fld>
             <a:endParaRPr lang="zh-CN" altLang="en-US"/>
           </a:p>
@@ -2572,7 +2572,7 @@
           <a:p>
             <a:fld id="{F4A7D950-EE68-4E68-A137-E6719E88616F}" type="datetime1">
               <a:rPr lang="zh-CN" altLang="en-US" smtClean="0"/>
-              <a:t>2021/1/21</a:t>
+              <a:t>2021/3/18</a:t>
             </a:fld>
             <a:endParaRPr lang="zh-CN" altLang="en-US"/>
           </a:p>
@@ -2998,7 +2998,7 @@
           <a:p>
             <a:fld id="{FF0F8447-EB78-4A7D-AAD0-0E9D5563C75B}" type="datetime1">
               <a:rPr lang="zh-CN" altLang="en-US" smtClean="0"/>
-              <a:t>2021/1/21</a:t>
+              <a:t>2021/3/18</a:t>
             </a:fld>
             <a:endParaRPr lang="zh-CN" altLang="en-US"/>
           </a:p>
@@ -3120,7 +3120,7 @@
           <a:p>
             <a:fld id="{D39F05C9-09D8-4840-A70E-65E153C7358A}" type="datetime1">
               <a:rPr lang="zh-CN" altLang="en-US" smtClean="0"/>
-              <a:t>2021/1/21</a:t>
+              <a:t>2021/3/18</a:t>
             </a:fld>
             <a:endParaRPr lang="zh-CN" altLang="en-US"/>
           </a:p>
@@ -3219,7 +3219,7 @@
           <a:p>
             <a:fld id="{D214C8CB-2F14-41D0-8E74-C9EAACFAC1C2}" type="datetime1">
               <a:rPr lang="zh-CN" altLang="en-US" smtClean="0"/>
-              <a:t>2021/1/21</a:t>
+              <a:t>2021/3/18</a:t>
             </a:fld>
             <a:endParaRPr lang="zh-CN" altLang="en-US"/>
           </a:p>
@@ -3500,7 +3500,7 @@
           <a:p>
             <a:fld id="{97D9B34B-4D2A-4589-88F4-99145B0AF7FB}" type="datetime1">
               <a:rPr lang="zh-CN" altLang="en-US" smtClean="0"/>
-              <a:t>2021/1/21</a:t>
+              <a:t>2021/3/18</a:t>
             </a:fld>
             <a:endParaRPr lang="zh-CN" altLang="en-US"/>
           </a:p>
@@ -3757,7 +3757,7 @@
           <a:p>
             <a:fld id="{89771831-A782-4931-907D-C75DB5FC2DDA}" type="datetime1">
               <a:rPr lang="zh-CN" altLang="en-US" smtClean="0"/>
-              <a:t>2021/1/21</a:t>
+              <a:t>2021/3/18</a:t>
             </a:fld>
             <a:endParaRPr lang="zh-CN" altLang="en-US"/>
           </a:p>
@@ -3977,7 +3977,7 @@
           <a:p>
             <a:fld id="{9965EEE8-3541-4288-9EBF-83AF22A3F607}" type="datetime1">
               <a:rPr lang="zh-CN" altLang="en-US" smtClean="0"/>
-              <a:t>2021/1/21</a:t>
+              <a:t>2021/3/18</a:t>
             </a:fld>
             <a:endParaRPr lang="zh-CN" altLang="en-US"/>
           </a:p>
@@ -4464,7 +4464,7 @@
           <a:p>
             <a:fld id="{F0722F17-03C4-40DF-8FA9-84A89B5BFA7B}" type="datetime1">
               <a:rPr lang="zh-CN" altLang="en-US" smtClean="0"/>
-              <a:t>2021/1/21</a:t>
+              <a:t>2021/3/18</a:t>
             </a:fld>
             <a:endParaRPr lang="zh-CN" altLang="en-US" dirty="0"/>
           </a:p>
@@ -4638,7 +4638,7 @@
           <a:p>
             <a:fld id="{7747DCFC-6919-40DE-B306-59988C792B11}" type="datetime1">
               <a:rPr lang="zh-CN" altLang="en-US" smtClean="0"/>
-              <a:t>2021/1/21</a:t>
+              <a:t>2021/3/18</a:t>
             </a:fld>
             <a:endParaRPr lang="zh-CN" altLang="en-US" dirty="0"/>
           </a:p>
@@ -4994,15 +4994,7 @@
                   <a:srgbClr val="6A9955"/>
                 </a:solidFill>
               </a:rPr>
-              <a:t>// </a:t>
-            </a:r>
-            <a:r>
-              <a:rPr lang="en-US" altLang="zh-CN" sz="1500" dirty="0">
-                <a:solidFill>
-                  <a:srgbClr val="6A9955"/>
-                </a:solidFill>
-              </a:rPr>
-              <a:t>A should greater than B.</a:t>
+              <a:t>// A should greater than B.</a:t>
             </a:r>
           </a:p>
           <a:p>
@@ -6773,7 +6765,7 @@
           <a:p>
             <a:fld id="{7747DCFC-6919-40DE-B306-59988C792B11}" type="datetime1">
               <a:rPr lang="zh-CN" altLang="en-US" smtClean="0"/>
-              <a:t>2021/1/21</a:t>
+              <a:t>2021/3/18</a:t>
             </a:fld>
             <a:endParaRPr lang="zh-CN" altLang="en-US" dirty="0"/>
           </a:p>
@@ -6953,7 +6945,7 @@
           <a:p>
             <a:fld id="{7747DCFC-6919-40DE-B306-59988C792B11}" type="datetime1">
               <a:rPr lang="zh-CN" altLang="en-US" smtClean="0"/>
-              <a:t>2021/1/21</a:t>
+              <a:t>2021/3/18</a:t>
             </a:fld>
             <a:endParaRPr lang="zh-CN" altLang="en-US" dirty="0"/>
           </a:p>
@@ -7207,7 +7199,7 @@
           <a:p>
             <a:fld id="{7747DCFC-6919-40DE-B306-59988C792B11}" type="datetime1">
               <a:rPr lang="zh-CN" altLang="en-US" smtClean="0"/>
-              <a:t>2021/1/21</a:t>
+              <a:t>2021/3/18</a:t>
             </a:fld>
             <a:endParaRPr lang="zh-CN" altLang="en-US" dirty="0"/>
           </a:p>
@@ -8926,7 +8918,7 @@
           <a:p>
             <a:fld id="{7747DCFC-6919-40DE-B306-59988C792B11}" type="datetime1">
               <a:rPr lang="zh-CN" altLang="en-US" smtClean="0"/>
-              <a:t>2021/1/21</a:t>
+              <a:t>2021/3/18</a:t>
             </a:fld>
             <a:endParaRPr lang="zh-CN" altLang="en-US" dirty="0"/>
           </a:p>
@@ -9045,8 +9037,8 @@
           </a:p>
         </p:txBody>
       </p:sp>
-      <mc:AlternateContent xmlns:mc="http://schemas.openxmlformats.org/markup-compatibility/2006">
-        <mc:Choice xmlns:a14="http://schemas.microsoft.com/office/drawing/2010/main" Requires="a14">
+      <mc:AlternateContent xmlns:mc="http://schemas.openxmlformats.org/markup-compatibility/2006" xmlns:a14="http://schemas.microsoft.com/office/drawing/2010/main">
+        <mc:Choice Requires="a14">
           <p:sp>
             <p:nvSpPr>
               <p:cNvPr id="3" name="内容占位符 2"/>
@@ -9224,13 +9216,7 @@
                           <a:rPr lang="en-US" altLang="zh-CN" b="0" i="1" smtClean="0">
                             <a:latin typeface="Cambria Math" panose="02040503050406030204" pitchFamily="18" charset="0"/>
                           </a:rPr>
-                          <m:t>𝑟𝑒</m:t>
-                        </m:r>
-                        <m:r>
-                          <a:rPr lang="en-US" altLang="zh-CN" b="0" i="1" smtClean="0">
-                            <a:latin typeface="Cambria Math" panose="02040503050406030204" pitchFamily="18" charset="0"/>
-                          </a:rPr>
-                          <m:t>𝑠</m:t>
+                          <m:t>𝑟𝑒𝑠</m:t>
                         </m:r>
                       </m:e>
                       <m:sub>
@@ -9385,7 +9371,7 @@
             </p:txBody>
           </p:sp>
         </mc:Choice>
-        <mc:Fallback>
+        <mc:Fallback xmlns="">
           <p:sp>
             <p:nvSpPr>
               <p:cNvPr id="3" name="内容占位符 2"/>
@@ -9436,7 +9422,7 @@
           <a:p>
             <a:fld id="{7747DCFC-6919-40DE-B306-59988C792B11}" type="datetime1">
               <a:rPr lang="zh-CN" altLang="en-US" smtClean="0"/>
-              <a:t>2021/1/21</a:t>
+              <a:t>2021/3/18</a:t>
             </a:fld>
             <a:endParaRPr lang="zh-CN" altLang="en-US" dirty="0"/>
           </a:p>
@@ -11336,7 +11322,7 @@
           <a:p>
             <a:fld id="{7747DCFC-6919-40DE-B306-59988C792B11}" type="datetime1">
               <a:rPr lang="zh-CN" altLang="en-US" smtClean="0"/>
-              <a:t>2021/1/21</a:t>
+              <a:t>2021/3/18</a:t>
             </a:fld>
             <a:endParaRPr lang="zh-CN" altLang="en-US" dirty="0"/>
           </a:p>
@@ -11504,7 +11490,7 @@
           <a:p>
             <a:fld id="{7747DCFC-6919-40DE-B306-59988C792B11}" type="datetime1">
               <a:rPr lang="zh-CN" altLang="en-US" smtClean="0"/>
-              <a:t>2021/1/21</a:t>
+              <a:t>2021/3/18</a:t>
             </a:fld>
             <a:endParaRPr lang="zh-CN" altLang="en-US" dirty="0"/>
           </a:p>
@@ -11744,7 +11730,7 @@
           <a:p>
             <a:fld id="{7747DCFC-6919-40DE-B306-59988C792B11}" type="datetime1">
               <a:rPr lang="zh-CN" altLang="en-US" smtClean="0"/>
-              <a:t>2021/1/21</a:t>
+              <a:t>2021/3/18</a:t>
             </a:fld>
             <a:endParaRPr lang="zh-CN" altLang="en-US" dirty="0"/>
           </a:p>
@@ -13059,7 +13045,7 @@
           <a:p>
             <a:fld id="{7747DCFC-6919-40DE-B306-59988C792B11}" type="datetime1">
               <a:rPr lang="zh-CN" altLang="en-US" smtClean="0"/>
-              <a:t>2021/1/21</a:t>
+              <a:t>2021/3/18</a:t>
             </a:fld>
             <a:endParaRPr lang="zh-CN" altLang="en-US" dirty="0"/>
           </a:p>
@@ -13184,8 +13170,8 @@
           </a:p>
         </p:txBody>
       </p:sp>
-      <mc:AlternateContent xmlns:mc="http://schemas.openxmlformats.org/markup-compatibility/2006">
-        <mc:Choice xmlns:a14="http://schemas.microsoft.com/office/drawing/2010/main" Requires="a14">
+      <mc:AlternateContent xmlns:mc="http://schemas.openxmlformats.org/markup-compatibility/2006" xmlns:a14="http://schemas.microsoft.com/office/drawing/2010/main">
+        <mc:Choice Requires="a14">
           <p:sp>
             <p:nvSpPr>
               <p:cNvPr id="3" name="内容占位符 2"/>
@@ -13351,7 +13337,7 @@
             </p:txBody>
           </p:sp>
         </mc:Choice>
-        <mc:Fallback>
+        <mc:Fallback xmlns="">
           <p:sp>
             <p:nvSpPr>
               <p:cNvPr id="3" name="内容占位符 2"/>
@@ -13406,7 +13392,7 @@
           <a:p>
             <a:fld id="{C9C68DDB-069C-4BDC-8EA1-FB21429B4FA6}" type="datetime1">
               <a:rPr lang="zh-CN" altLang="en-US" smtClean="0"/>
-              <a:t>2021/1/21</a:t>
+              <a:t>2021/3/18</a:t>
             </a:fld>
             <a:endParaRPr lang="zh-CN" altLang="en-US" dirty="0"/>
           </a:p>
@@ -14513,7 +14499,7 @@
           <a:p>
             <a:fld id="{7747DCFC-6919-40DE-B306-59988C792B11}" type="datetime1">
               <a:rPr lang="zh-CN" altLang="en-US" smtClean="0"/>
-              <a:t>2021/1/22</a:t>
+              <a:t>2021/3/18</a:t>
             </a:fld>
             <a:endParaRPr lang="zh-CN" altLang="en-US" dirty="0"/>
           </a:p>
@@ -14730,7 +14716,7 @@
           <a:p>
             <a:fld id="{7747DCFC-6919-40DE-B306-59988C792B11}" type="datetime1">
               <a:rPr lang="zh-CN" altLang="en-US" smtClean="0"/>
-              <a:t>2021/1/21</a:t>
+              <a:t>2021/3/18</a:t>
             </a:fld>
             <a:endParaRPr lang="zh-CN" altLang="en-US" dirty="0"/>
           </a:p>
@@ -16727,7 +16713,7 @@
           <a:p>
             <a:fld id="{7747DCFC-6919-40DE-B306-59988C792B11}" type="datetime1">
               <a:rPr lang="zh-CN" altLang="en-US" smtClean="0"/>
-              <a:t>2021/1/22</a:t>
+              <a:t>2021/3/18</a:t>
             </a:fld>
             <a:endParaRPr lang="zh-CN" altLang="en-US" dirty="0"/>
           </a:p>
@@ -18358,7 +18344,7 @@
           <a:p>
             <a:fld id="{7747DCFC-6919-40DE-B306-59988C792B11}" type="datetime1">
               <a:rPr lang="zh-CN" altLang="en-US" smtClean="0"/>
-              <a:t>2021/1/22</a:t>
+              <a:t>2021/3/18</a:t>
             </a:fld>
             <a:endParaRPr lang="zh-CN" altLang="en-US" dirty="0"/>
           </a:p>
@@ -19928,7 +19914,7 @@
           <a:p>
             <a:fld id="{7747DCFC-6919-40DE-B306-59988C792B11}" type="datetime1">
               <a:rPr lang="zh-CN" altLang="en-US" smtClean="0"/>
-              <a:t>2021/1/22</a:t>
+              <a:t>2021/3/18</a:t>
             </a:fld>
             <a:endParaRPr lang="zh-CN" altLang="en-US" dirty="0"/>
           </a:p>
@@ -21093,7 +21079,7 @@
           <a:p>
             <a:fld id="{7747DCFC-6919-40DE-B306-59988C792B11}" type="datetime1">
               <a:rPr lang="zh-CN" altLang="en-US" smtClean="0"/>
-              <a:t>2021/1/22</a:t>
+              <a:t>2021/3/18</a:t>
             </a:fld>
             <a:endParaRPr lang="zh-CN" altLang="en-US" dirty="0"/>
           </a:p>
@@ -21285,7 +21271,7 @@
           <a:p>
             <a:fld id="{7747DCFC-6919-40DE-B306-59988C792B11}" type="datetime1">
               <a:rPr lang="zh-CN" altLang="en-US" smtClean="0"/>
-              <a:t>2021/1/22</a:t>
+              <a:t>2021/3/18</a:t>
             </a:fld>
             <a:endParaRPr lang="zh-CN" altLang="en-US" dirty="0"/>
           </a:p>
@@ -21512,7 +21498,7 @@
           <a:p>
             <a:fld id="{7747DCFC-6919-40DE-B306-59988C792B11}" type="datetime1">
               <a:rPr lang="zh-CN" altLang="en-US" smtClean="0"/>
-              <a:t>2021/1/22</a:t>
+              <a:t>2021/3/18</a:t>
             </a:fld>
             <a:endParaRPr lang="zh-CN" altLang="en-US" dirty="0"/>
           </a:p>
@@ -21741,7 +21727,7 @@
           <a:p>
             <a:fld id="{7747DCFC-6919-40DE-B306-59988C792B11}" type="datetime1">
               <a:rPr lang="zh-CN" altLang="en-US" smtClean="0"/>
-              <a:t>2021/1/22</a:t>
+              <a:t>2021/3/18</a:t>
             </a:fld>
             <a:endParaRPr lang="zh-CN" altLang="en-US" dirty="0"/>
           </a:p>
@@ -22399,7 +22385,7 @@
           <a:p>
             <a:fld id="{7747DCFC-6919-40DE-B306-59988C792B11}" type="datetime1">
               <a:rPr lang="zh-CN" altLang="en-US" smtClean="0"/>
-              <a:t>2021/1/22</a:t>
+              <a:t>2021/3/18</a:t>
             </a:fld>
             <a:endParaRPr lang="zh-CN" altLang="en-US" dirty="0"/>
           </a:p>
@@ -22506,18 +22492,14 @@
           <a:p>
             <a:r>
               <a:rPr lang="zh-CN" altLang="en-US" dirty="0" smtClean="0"/>
-              <a:t>学高精度的</a:t>
-            </a:r>
-            <a:r>
-              <a:rPr lang="zh-CN" altLang="en-US" dirty="0" smtClean="0"/>
-              <a:t>必要性</a:t>
+              <a:t>学高精度的必要性</a:t>
             </a:r>
             <a:endParaRPr lang="zh-CN" altLang="en-US" dirty="0"/>
           </a:p>
         </p:txBody>
       </p:sp>
-      <mc:AlternateContent xmlns:mc="http://schemas.openxmlformats.org/markup-compatibility/2006">
-        <mc:Choice xmlns:a14="http://schemas.microsoft.com/office/drawing/2010/main" Requires="a14">
+      <mc:AlternateContent xmlns:mc="http://schemas.openxmlformats.org/markup-compatibility/2006" xmlns:a14="http://schemas.microsoft.com/office/drawing/2010/main">
+        <mc:Choice Requires="a14">
           <p:sp>
             <p:nvSpPr>
               <p:cNvPr id="3" name="内容占位符 2"/>
@@ -22569,11 +22551,7 @@
                 </a:r>
                 <a:r>
                   <a:rPr lang="zh-CN" altLang="en-US" dirty="0"/>
-                  <a:t>位同学</a:t>
-                </a:r>
-                <a:r>
-                  <a:rPr lang="zh-CN" altLang="en-US" dirty="0"/>
-                  <a:t>在</a:t>
+                  <a:t>位同学在</a:t>
                 </a:r>
                 <a:r>
                   <a:rPr lang="en-US" altLang="zh-CN" dirty="0" smtClean="0">
@@ -22616,11 +22594,7 @@
               <a:p>
                 <a:r>
                   <a:rPr lang="zh-CN" altLang="en-US" dirty="0"/>
-                  <a:t>然后</a:t>
-                </a:r>
-                <a:r>
-                  <a:rPr lang="zh-CN" altLang="en-US" dirty="0"/>
-                  <a:t>呢</a:t>
+                  <a:t>然后呢</a:t>
                 </a:r>
                 <a:r>
                   <a:rPr lang="en-US" altLang="zh-CN" dirty="0"/>
@@ -22732,15 +22706,7 @@
                 </a:r>
                 <a:r>
                   <a:rPr lang="zh-CN" altLang="en-US" dirty="0"/>
-                  <a:t>衷心</a:t>
-                </a:r>
-                <a:r>
-                  <a:rPr lang="zh-CN" altLang="en-US" dirty="0"/>
-                  <a:t>祝愿大家不再</a:t>
-                </a:r>
-                <a:r>
-                  <a:rPr lang="zh-CN" altLang="en-US" dirty="0"/>
-                  <a:t>重蹈覆辙</a:t>
+                  <a:t>衷心祝愿大家不再重蹈覆辙</a:t>
                 </a:r>
                 <a:r>
                   <a:rPr lang="en-US" altLang="zh-CN" dirty="0"/>
@@ -22754,7 +22720,7 @@
             </p:txBody>
           </p:sp>
         </mc:Choice>
-        <mc:Fallback>
+        <mc:Fallback xmlns="">
           <p:sp>
             <p:nvSpPr>
               <p:cNvPr id="3" name="内容占位符 2"/>
@@ -22805,7 +22771,7 @@
           <a:p>
             <a:fld id="{0D9658CD-8059-4939-9AC9-A0E02A8423C9}" type="datetime1">
               <a:rPr lang="zh-CN" altLang="en-US" smtClean="0"/>
-              <a:t>2021/1/21</a:t>
+              <a:t>2021/3/18</a:t>
             </a:fld>
             <a:endParaRPr lang="zh-CN" altLang="en-US" dirty="0"/>
           </a:p>
@@ -23012,7 +22978,7 @@
           <a:p>
             <a:fld id="{7747DCFC-6919-40DE-B306-59988C792B11}" type="datetime1">
               <a:rPr lang="zh-CN" altLang="en-US" smtClean="0"/>
-              <a:t>2021/1/22</a:t>
+              <a:t>2021/3/18</a:t>
             </a:fld>
             <a:endParaRPr lang="zh-CN" altLang="en-US" dirty="0"/>
           </a:p>
@@ -24455,7 +24421,7 @@
           <a:p>
             <a:fld id="{7747DCFC-6919-40DE-B306-59988C792B11}" type="datetime1">
               <a:rPr lang="zh-CN" altLang="en-US" smtClean="0"/>
-              <a:t>2021/1/22</a:t>
+              <a:t>2021/3/18</a:t>
             </a:fld>
             <a:endParaRPr lang="zh-CN" altLang="en-US" dirty="0"/>
           </a:p>
@@ -24628,7 +24594,7 @@
           <a:p>
             <a:fld id="{7747DCFC-6919-40DE-B306-59988C792B11}" type="datetime1">
               <a:rPr lang="zh-CN" altLang="en-US" smtClean="0"/>
-              <a:t>2021/1/22</a:t>
+              <a:t>2021/3/18</a:t>
             </a:fld>
             <a:endParaRPr lang="zh-CN" altLang="en-US" dirty="0"/>
           </a:p>
@@ -25232,7 +25198,7 @@
           <a:p>
             <a:fld id="{7747DCFC-6919-40DE-B306-59988C792B11}" type="datetime1">
               <a:rPr lang="zh-CN" altLang="en-US" smtClean="0"/>
-              <a:t>2021/1/22</a:t>
+              <a:t>2021/3/18</a:t>
             </a:fld>
             <a:endParaRPr lang="zh-CN" altLang="en-US" dirty="0"/>
           </a:p>
@@ -25345,8 +25311,8 @@
           </a:p>
         </p:txBody>
       </p:sp>
-      <mc:AlternateContent xmlns:mc="http://schemas.openxmlformats.org/markup-compatibility/2006">
-        <mc:Choice xmlns:a14="http://schemas.microsoft.com/office/drawing/2010/main" Requires="a14">
+      <mc:AlternateContent xmlns:mc="http://schemas.openxmlformats.org/markup-compatibility/2006" xmlns:a14="http://schemas.microsoft.com/office/drawing/2010/main">
+        <mc:Choice Requires="a14">
           <p:sp>
             <p:nvSpPr>
               <p:cNvPr id="3" name="内容占位符 2"/>
@@ -25649,7 +25615,7 @@
             </p:txBody>
           </p:sp>
         </mc:Choice>
-        <mc:Fallback>
+        <mc:Fallback xmlns="">
           <p:sp>
             <p:nvSpPr>
               <p:cNvPr id="3" name="内容占位符 2"/>
@@ -25700,7 +25666,7 @@
           <a:p>
             <a:fld id="{7747DCFC-6919-40DE-B306-59988C792B11}" type="datetime1">
               <a:rPr lang="zh-CN" altLang="en-US" smtClean="0"/>
-              <a:t>2021/1/22</a:t>
+              <a:t>2021/3/18</a:t>
             </a:fld>
             <a:endParaRPr lang="zh-CN" altLang="en-US" dirty="0"/>
           </a:p>
@@ -26027,7 +25993,7 @@
           <a:p>
             <a:fld id="{7747DCFC-6919-40DE-B306-59988C792B11}" type="datetime1">
               <a:rPr lang="zh-CN" altLang="en-US" smtClean="0"/>
-              <a:t>2021/1/22</a:t>
+              <a:t>2021/3/18</a:t>
             </a:fld>
             <a:endParaRPr lang="zh-CN" altLang="en-US" dirty="0"/>
           </a:p>
@@ -28332,7 +28298,7 @@
           <a:p>
             <a:fld id="{7747DCFC-6919-40DE-B306-59988C792B11}" type="datetime1">
               <a:rPr lang="zh-CN" altLang="en-US" smtClean="0"/>
-              <a:t>2021/1/22</a:t>
+              <a:t>2021/3/18</a:t>
             </a:fld>
             <a:endParaRPr lang="zh-CN" altLang="en-US" dirty="0"/>
           </a:p>
@@ -28523,7 +28489,7 @@
           <a:p>
             <a:fld id="{7747DCFC-6919-40DE-B306-59988C792B11}" type="datetime1">
               <a:rPr lang="zh-CN" altLang="en-US" smtClean="0"/>
-              <a:t>2021/1/22</a:t>
+              <a:t>2021/3/18</a:t>
             </a:fld>
             <a:endParaRPr lang="zh-CN" altLang="en-US" dirty="0"/>
           </a:p>
@@ -28763,7 +28729,7 @@
           <a:p>
             <a:fld id="{7747DCFC-6919-40DE-B306-59988C792B11}" type="datetime1">
               <a:rPr lang="zh-CN" altLang="en-US" smtClean="0"/>
-              <a:t>2021/1/22</a:t>
+              <a:t>2021/3/18</a:t>
             </a:fld>
             <a:endParaRPr lang="zh-CN" altLang="en-US" dirty="0"/>
           </a:p>
@@ -28934,8 +28900,8 @@
           </a:p>
         </p:txBody>
       </p:sp>
-      <mc:AlternateContent xmlns:mc="http://schemas.openxmlformats.org/markup-compatibility/2006">
-        <mc:Choice xmlns:a14="http://schemas.microsoft.com/office/drawing/2010/main" Requires="a14">
+      <mc:AlternateContent xmlns:mc="http://schemas.openxmlformats.org/markup-compatibility/2006" xmlns:a14="http://schemas.microsoft.com/office/drawing/2010/main">
+        <mc:Choice Requires="a14">
           <p:sp>
             <p:nvSpPr>
               <p:cNvPr id="3" name="内容占位符 2"/>
@@ -29327,7 +29293,7 @@
             </p:txBody>
           </p:sp>
         </mc:Choice>
-        <mc:Fallback>
+        <mc:Fallback xmlns="">
           <p:sp>
             <p:nvSpPr>
               <p:cNvPr id="3" name="内容占位符 2"/>
@@ -29378,7 +29344,7 @@
           <a:p>
             <a:fld id="{7747DCFC-6919-40DE-B306-59988C792B11}" type="datetime1">
               <a:rPr lang="zh-CN" altLang="en-US" smtClean="0"/>
-              <a:t>2021/1/22</a:t>
+              <a:t>2021/3/18</a:t>
             </a:fld>
             <a:endParaRPr lang="zh-CN" altLang="en-US" dirty="0"/>
           </a:p>
@@ -29682,7 +29648,7 @@
           <a:p>
             <a:fld id="{C284ED58-C578-43A9-BF03-E00A8A2EE675}" type="datetime1">
               <a:rPr lang="zh-CN" altLang="en-US" smtClean="0"/>
-              <a:t>2021/1/21</a:t>
+              <a:t>2021/3/18</a:t>
             </a:fld>
             <a:endParaRPr lang="zh-CN" altLang="en-US" dirty="0"/>
           </a:p>
@@ -30115,8 +30081,8 @@
           </a:p>
         </p:txBody>
       </p:sp>
-      <mc:AlternateContent xmlns:mc="http://schemas.openxmlformats.org/markup-compatibility/2006">
-        <mc:Choice xmlns:a14="http://schemas.microsoft.com/office/drawing/2010/main" Requires="a14">
+      <mc:AlternateContent xmlns:mc="http://schemas.openxmlformats.org/markup-compatibility/2006" xmlns:a14="http://schemas.microsoft.com/office/drawing/2010/main">
+        <mc:Choice Requires="a14">
           <p:sp>
             <p:nvSpPr>
               <p:cNvPr id="3" name="内容占位符 2"/>
@@ -30538,7 +30504,7 @@
             </p:txBody>
           </p:sp>
         </mc:Choice>
-        <mc:Fallback>
+        <mc:Fallback xmlns="">
           <p:sp>
             <p:nvSpPr>
               <p:cNvPr id="3" name="内容占位符 2"/>
@@ -30589,7 +30555,7 @@
           <a:p>
             <a:fld id="{7747DCFC-6919-40DE-B306-59988C792B11}" type="datetime1">
               <a:rPr lang="zh-CN" altLang="en-US" smtClean="0"/>
-              <a:t>2021/1/22</a:t>
+              <a:t>2021/3/18</a:t>
             </a:fld>
             <a:endParaRPr lang="zh-CN" altLang="en-US" dirty="0"/>
           </a:p>
@@ -30702,8 +30668,8 @@
           </a:p>
         </p:txBody>
       </p:sp>
-      <mc:AlternateContent xmlns:mc="http://schemas.openxmlformats.org/markup-compatibility/2006">
-        <mc:Choice xmlns:a14="http://schemas.microsoft.com/office/drawing/2010/main" Requires="a14">
+      <mc:AlternateContent xmlns:mc="http://schemas.openxmlformats.org/markup-compatibility/2006" xmlns:a14="http://schemas.microsoft.com/office/drawing/2010/main">
+        <mc:Choice Requires="a14">
           <p:sp>
             <p:nvSpPr>
               <p:cNvPr id="3" name="内容占位符 2"/>
@@ -30932,7 +30898,7 @@
             </p:txBody>
           </p:sp>
         </mc:Choice>
-        <mc:Fallback>
+        <mc:Fallback xmlns="">
           <p:sp>
             <p:nvSpPr>
               <p:cNvPr id="3" name="内容占位符 2"/>
@@ -30983,7 +30949,7 @@
           <a:p>
             <a:fld id="{7747DCFC-6919-40DE-B306-59988C792B11}" type="datetime1">
               <a:rPr lang="zh-CN" altLang="en-US" smtClean="0"/>
-              <a:t>2021/1/22</a:t>
+              <a:t>2021/3/18</a:t>
             </a:fld>
             <a:endParaRPr lang="zh-CN" altLang="en-US" dirty="0"/>
           </a:p>
@@ -31481,8 +31447,8 @@
           </a:p>
         </p:txBody>
       </p:sp>
-      <mc:AlternateContent xmlns:mc="http://schemas.openxmlformats.org/markup-compatibility/2006">
-        <mc:Choice xmlns:a14="http://schemas.microsoft.com/office/drawing/2010/main" Requires="a14">
+      <mc:AlternateContent xmlns:mc="http://schemas.openxmlformats.org/markup-compatibility/2006" xmlns:a14="http://schemas.microsoft.com/office/drawing/2010/main">
+        <mc:Choice Requires="a14">
           <p:sp>
             <p:nvSpPr>
               <p:cNvPr id="3" name="内容占位符 2"/>
@@ -32676,7 +32642,7 @@
             </p:txBody>
           </p:sp>
         </mc:Choice>
-        <mc:Fallback>
+        <mc:Fallback xmlns="">
           <p:sp>
             <p:nvSpPr>
               <p:cNvPr id="3" name="内容占位符 2"/>
@@ -32727,7 +32693,7 @@
           <a:p>
             <a:fld id="{7747DCFC-6919-40DE-B306-59988C792B11}" type="datetime1">
               <a:rPr lang="zh-CN" altLang="en-US" smtClean="0"/>
-              <a:t>2021/1/22</a:t>
+              <a:t>2021/3/18</a:t>
             </a:fld>
             <a:endParaRPr lang="zh-CN" altLang="en-US" dirty="0"/>
           </a:p>
@@ -32904,7 +32870,7 @@
           <a:p>
             <a:fld id="{7747DCFC-6919-40DE-B306-59988C792B11}" type="datetime1">
               <a:rPr lang="zh-CN" altLang="en-US" smtClean="0"/>
-              <a:t>2021/1/22</a:t>
+              <a:t>2021/3/18</a:t>
             </a:fld>
             <a:endParaRPr lang="zh-CN" altLang="en-US" dirty="0"/>
           </a:p>
@@ -33017,8 +32983,8 @@
           </a:p>
         </p:txBody>
       </p:sp>
-      <mc:AlternateContent xmlns:mc="http://schemas.openxmlformats.org/markup-compatibility/2006">
-        <mc:Choice xmlns:a14="http://schemas.microsoft.com/office/drawing/2010/main" Requires="a14">
+      <mc:AlternateContent xmlns:mc="http://schemas.openxmlformats.org/markup-compatibility/2006" xmlns:a14="http://schemas.microsoft.com/office/drawing/2010/main">
+        <mc:Choice Requires="a14">
           <p:sp>
             <p:nvSpPr>
               <p:cNvPr id="3" name="内容占位符 2"/>
@@ -33259,7 +33225,7 @@
                         <m:sSup>
                           <m:sSupPr>
                             <m:ctrlPr>
-                              <a:rPr lang="en-US" altLang="zh-CN" b="0" i="0" smtClean="0">
+                              <a:rPr lang="en-US" altLang="zh-CN" b="0" i="1" smtClean="0">
                                 <a:latin typeface="Cambria Math" panose="02040503050406030204" pitchFamily="18" charset="0"/>
                               </a:rPr>
                             </m:ctrlPr>
@@ -33407,7 +33373,7 @@
             </p:txBody>
           </p:sp>
         </mc:Choice>
-        <mc:Fallback>
+        <mc:Fallback xmlns="">
           <p:sp>
             <p:nvSpPr>
               <p:cNvPr id="3" name="内容占位符 2"/>
@@ -33458,7 +33424,7 @@
           <a:p>
             <a:fld id="{7747DCFC-6919-40DE-B306-59988C792B11}" type="datetime1">
               <a:rPr lang="zh-CN" altLang="en-US" smtClean="0"/>
-              <a:t>2021/1/22</a:t>
+              <a:t>2021/3/18</a:t>
             </a:fld>
             <a:endParaRPr lang="zh-CN" altLang="en-US" dirty="0"/>
           </a:p>
@@ -33717,8 +33683,8 @@
           </a:p>
         </p:txBody>
       </p:sp>
-      <mc:AlternateContent xmlns:mc="http://schemas.openxmlformats.org/markup-compatibility/2006">
-        <mc:Choice xmlns:a14="http://schemas.microsoft.com/office/drawing/2010/main" Requires="a14">
+      <mc:AlternateContent xmlns:mc="http://schemas.openxmlformats.org/markup-compatibility/2006" xmlns:a14="http://schemas.microsoft.com/office/drawing/2010/main">
+        <mc:Choice Requires="a14">
           <p:sp>
             <p:nvSpPr>
               <p:cNvPr id="3" name="内容占位符 2"/>
@@ -34024,7 +33990,7 @@
             </p:txBody>
           </p:sp>
         </mc:Choice>
-        <mc:Fallback>
+        <mc:Fallback xmlns="">
           <p:sp>
             <p:nvSpPr>
               <p:cNvPr id="3" name="内容占位符 2"/>
@@ -34075,7 +34041,7 @@
           <a:p>
             <a:fld id="{7747DCFC-6919-40DE-B306-59988C792B11}" type="datetime1">
               <a:rPr lang="zh-CN" altLang="en-US" smtClean="0"/>
-              <a:t>2021/1/23</a:t>
+              <a:t>2021/3/18</a:t>
             </a:fld>
             <a:endParaRPr lang="zh-CN" altLang="en-US" dirty="0"/>
           </a:p>
@@ -34246,8 +34212,8 @@
           </a:p>
         </p:txBody>
       </p:sp>
-      <mc:AlternateContent xmlns:mc="http://schemas.openxmlformats.org/markup-compatibility/2006">
-        <mc:Choice xmlns:a14="http://schemas.microsoft.com/office/drawing/2010/main" Requires="a14">
+      <mc:AlternateContent xmlns:mc="http://schemas.openxmlformats.org/markup-compatibility/2006" xmlns:a14="http://schemas.microsoft.com/office/drawing/2010/main">
+        <mc:Choice Requires="a14">
           <p:sp>
             <p:nvSpPr>
               <p:cNvPr id="3" name="内容占位符 2"/>
@@ -34301,7 +34267,7 @@
             </p:txBody>
           </p:sp>
         </mc:Choice>
-        <mc:Fallback>
+        <mc:Fallback xmlns="">
           <p:sp>
             <p:nvSpPr>
               <p:cNvPr id="3" name="内容占位符 2"/>
@@ -34352,7 +34318,7 @@
           <a:p>
             <a:fld id="{7747DCFC-6919-40DE-B306-59988C792B11}" type="datetime1">
               <a:rPr lang="zh-CN" altLang="en-US" smtClean="0"/>
-              <a:t>2021/1/22</a:t>
+              <a:t>2021/3/18</a:t>
             </a:fld>
             <a:endParaRPr lang="zh-CN" altLang="en-US" dirty="0"/>
           </a:p>
@@ -34465,8 +34431,8 @@
           </a:p>
         </p:txBody>
       </p:sp>
-      <mc:AlternateContent xmlns:mc="http://schemas.openxmlformats.org/markup-compatibility/2006">
-        <mc:Choice xmlns:a14="http://schemas.microsoft.com/office/drawing/2010/main" Requires="a14">
+      <mc:AlternateContent xmlns:mc="http://schemas.openxmlformats.org/markup-compatibility/2006" xmlns:a14="http://schemas.microsoft.com/office/drawing/2010/main">
+        <mc:Choice Requires="a14">
           <p:sp>
             <p:nvSpPr>
               <p:cNvPr id="3" name="内容占位符 2"/>
@@ -34699,7 +34665,7 @@
             </p:txBody>
           </p:sp>
         </mc:Choice>
-        <mc:Fallback>
+        <mc:Fallback xmlns="">
           <p:sp>
             <p:nvSpPr>
               <p:cNvPr id="3" name="内容占位符 2"/>
@@ -34750,7 +34716,7 @@
           <a:p>
             <a:fld id="{7747DCFC-6919-40DE-B306-59988C792B11}" type="datetime1">
               <a:rPr lang="zh-CN" altLang="en-US" smtClean="0"/>
-              <a:t>2021/1/22</a:t>
+              <a:t>2021/3/18</a:t>
             </a:fld>
             <a:endParaRPr lang="zh-CN" altLang="en-US" dirty="0"/>
           </a:p>
@@ -34921,8 +34887,8 @@
           </a:p>
         </p:txBody>
       </p:sp>
-      <mc:AlternateContent xmlns:mc="http://schemas.openxmlformats.org/markup-compatibility/2006">
-        <mc:Choice xmlns:a14="http://schemas.microsoft.com/office/drawing/2010/main" Requires="a14">
+      <mc:AlternateContent xmlns:mc="http://schemas.openxmlformats.org/markup-compatibility/2006" xmlns:a14="http://schemas.microsoft.com/office/drawing/2010/main">
+        <mc:Choice Requires="a14">
           <p:sp>
             <p:nvSpPr>
               <p:cNvPr id="3" name="内容占位符 2"/>
@@ -35382,7 +35348,7 @@
             </p:txBody>
           </p:sp>
         </mc:Choice>
-        <mc:Fallback>
+        <mc:Fallback xmlns="">
           <p:sp>
             <p:nvSpPr>
               <p:cNvPr id="3" name="内容占位符 2"/>
@@ -35433,7 +35399,7 @@
           <a:p>
             <a:fld id="{7747DCFC-6919-40DE-B306-59988C792B11}" type="datetime1">
               <a:rPr lang="zh-CN" altLang="en-US" smtClean="0"/>
-              <a:t>2021/1/22</a:t>
+              <a:t>2021/3/18</a:t>
             </a:fld>
             <a:endParaRPr lang="zh-CN" altLang="en-US" dirty="0"/>
           </a:p>
@@ -35546,8 +35512,8 @@
           </a:p>
         </p:txBody>
       </p:sp>
-      <mc:AlternateContent xmlns:mc="http://schemas.openxmlformats.org/markup-compatibility/2006">
-        <mc:Choice xmlns:a14="http://schemas.microsoft.com/office/drawing/2010/main" Requires="a14">
+      <mc:AlternateContent xmlns:mc="http://schemas.openxmlformats.org/markup-compatibility/2006" xmlns:a14="http://schemas.microsoft.com/office/drawing/2010/main">
+        <mc:Choice Requires="a14">
           <p:sp>
             <p:nvSpPr>
               <p:cNvPr id="3" name="内容占位符 2"/>
@@ -35816,7 +35782,7 @@
                     <m:sSup>
                       <m:sSupPr>
                         <m:ctrlPr>
-                          <a:rPr lang="en-US" altLang="zh-CN" b="0" i="0" smtClean="0">
+                          <a:rPr lang="en-US" altLang="zh-CN" b="0" i="1" smtClean="0">
                             <a:latin typeface="Cambria Math" panose="02040503050406030204" pitchFamily="18" charset="0"/>
                           </a:rPr>
                         </m:ctrlPr>
@@ -35834,7 +35800,7 @@
                             <m:sSubSup>
                               <m:sSubSupPr>
                                 <m:ctrlPr>
-                                  <a:rPr lang="en-US" altLang="zh-CN" b="0" i="0" smtClean="0">
+                                  <a:rPr lang="en-US" altLang="zh-CN" b="0" i="1" smtClean="0">
                                     <a:latin typeface="Cambria Math" panose="02040503050406030204" pitchFamily="18" charset="0"/>
                                   </a:rPr>
                                 </m:ctrlPr>
@@ -36028,7 +35994,7 @@
             </p:txBody>
           </p:sp>
         </mc:Choice>
-        <mc:Fallback>
+        <mc:Fallback xmlns="">
           <p:sp>
             <p:nvSpPr>
               <p:cNvPr id="3" name="内容占位符 2"/>
@@ -36079,7 +36045,7 @@
           <a:p>
             <a:fld id="{7747DCFC-6919-40DE-B306-59988C792B11}" type="datetime1">
               <a:rPr lang="zh-CN" altLang="en-US" smtClean="0"/>
-              <a:t>2021/1/23</a:t>
+              <a:t>2021/3/18</a:t>
             </a:fld>
             <a:endParaRPr lang="zh-CN" altLang="en-US" dirty="0"/>
           </a:p>
@@ -36398,7 +36364,7 @@
           <a:p>
             <a:fld id="{7747DCFC-6919-40DE-B306-59988C792B11}" type="datetime1">
               <a:rPr lang="zh-CN" altLang="en-US" smtClean="0"/>
-              <a:t>2021/1/21</a:t>
+              <a:t>2021/3/18</a:t>
             </a:fld>
             <a:endParaRPr lang="zh-CN" altLang="en-US" dirty="0"/>
           </a:p>
@@ -36569,8 +36535,8 @@
           </a:p>
         </p:txBody>
       </p:sp>
-      <mc:AlternateContent xmlns:mc="http://schemas.openxmlformats.org/markup-compatibility/2006">
-        <mc:Choice xmlns:a14="http://schemas.microsoft.com/office/drawing/2010/main" Requires="a14">
+      <mc:AlternateContent xmlns:mc="http://schemas.openxmlformats.org/markup-compatibility/2006" xmlns:a14="http://schemas.microsoft.com/office/drawing/2010/main">
+        <mc:Choice Requires="a14">
           <p:sp>
             <p:nvSpPr>
               <p:cNvPr id="3" name="内容占位符 2"/>
@@ -36718,7 +36684,7 @@
             </p:txBody>
           </p:sp>
         </mc:Choice>
-        <mc:Fallback>
+        <mc:Fallback xmlns="">
           <p:sp>
             <p:nvSpPr>
               <p:cNvPr id="3" name="内容占位符 2"/>
@@ -36769,7 +36735,7 @@
           <a:p>
             <a:fld id="{7747DCFC-6919-40DE-B306-59988C792B11}" type="datetime1">
               <a:rPr lang="zh-CN" altLang="en-US" smtClean="0"/>
-              <a:t>2021/1/23</a:t>
+              <a:t>2021/3/18</a:t>
             </a:fld>
             <a:endParaRPr lang="zh-CN" altLang="en-US" dirty="0"/>
           </a:p>
@@ -36882,8 +36848,8 @@
           </a:p>
         </p:txBody>
       </p:sp>
-      <mc:AlternateContent xmlns:mc="http://schemas.openxmlformats.org/markup-compatibility/2006">
-        <mc:Choice xmlns:a14="http://schemas.microsoft.com/office/drawing/2010/main" Requires="a14">
+      <mc:AlternateContent xmlns:mc="http://schemas.openxmlformats.org/markup-compatibility/2006" xmlns:a14="http://schemas.microsoft.com/office/drawing/2010/main">
+        <mc:Choice Requires="a14">
           <p:sp>
             <p:nvSpPr>
               <p:cNvPr id="3" name="内容占位符 2"/>
@@ -37577,13 +37543,7 @@
                       <a:rPr lang="en-US" altLang="zh-CN" b="0" i="1" smtClean="0">
                         <a:latin typeface="Cambria Math" panose="02040503050406030204" pitchFamily="18" charset="0"/>
                       </a:rPr>
-                      <m:t>=</m:t>
-                    </m:r>
-                    <m:r>
-                      <a:rPr lang="en-US" altLang="zh-CN" b="0" i="1" smtClean="0">
-                        <a:latin typeface="Cambria Math" panose="02040503050406030204" pitchFamily="18" charset="0"/>
-                      </a:rPr>
-                      <m:t>−</m:t>
+                      <m:t>=−</m:t>
                     </m:r>
                     <m:sSubSup>
                       <m:sSubSupPr>
@@ -37790,7 +37750,7 @@
             </p:txBody>
           </p:sp>
         </mc:Choice>
-        <mc:Fallback>
+        <mc:Fallback xmlns="">
           <p:sp>
             <p:nvSpPr>
               <p:cNvPr id="3" name="内容占位符 2"/>
@@ -37841,7 +37801,7 @@
           <a:p>
             <a:fld id="{7747DCFC-6919-40DE-B306-59988C792B11}" type="datetime1">
               <a:rPr lang="zh-CN" altLang="en-US" smtClean="0"/>
-              <a:t>2021/1/23</a:t>
+              <a:t>2021/3/18</a:t>
             </a:fld>
             <a:endParaRPr lang="zh-CN" altLang="en-US" dirty="0"/>
           </a:p>
@@ -37954,8 +37914,8 @@
           </a:p>
         </p:txBody>
       </p:sp>
-      <mc:AlternateContent xmlns:mc="http://schemas.openxmlformats.org/markup-compatibility/2006">
-        <mc:Choice xmlns:a14="http://schemas.microsoft.com/office/drawing/2010/main" Requires="a14">
+      <mc:AlternateContent xmlns:mc="http://schemas.openxmlformats.org/markup-compatibility/2006" xmlns:a14="http://schemas.microsoft.com/office/drawing/2010/main">
+        <mc:Choice Requires="a14">
           <p:sp>
             <p:nvSpPr>
               <p:cNvPr id="3" name="内容占位符 2"/>
@@ -39128,7 +39088,7 @@
             </p:txBody>
           </p:sp>
         </mc:Choice>
-        <mc:Fallback>
+        <mc:Fallback xmlns="">
           <p:sp>
             <p:nvSpPr>
               <p:cNvPr id="3" name="内容占位符 2"/>
@@ -39179,7 +39139,7 @@
           <a:p>
             <a:fld id="{7747DCFC-6919-40DE-B306-59988C792B11}" type="datetime1">
               <a:rPr lang="zh-CN" altLang="en-US" smtClean="0"/>
-              <a:t>2021/1/23</a:t>
+              <a:t>2021/3/18</a:t>
             </a:fld>
             <a:endParaRPr lang="zh-CN" altLang="en-US" dirty="0"/>
           </a:p>
@@ -39292,8 +39252,8 @@
           </a:p>
         </p:txBody>
       </p:sp>
-      <mc:AlternateContent xmlns:mc="http://schemas.openxmlformats.org/markup-compatibility/2006">
-        <mc:Choice xmlns:a14="http://schemas.microsoft.com/office/drawing/2010/main" Requires="a14">
+      <mc:AlternateContent xmlns:mc="http://schemas.openxmlformats.org/markup-compatibility/2006" xmlns:a14="http://schemas.microsoft.com/office/drawing/2010/main">
+        <mc:Choice Requires="a14">
           <p:sp>
             <p:nvSpPr>
               <p:cNvPr id="3" name="内容占位符 2"/>
@@ -40313,7 +40273,7 @@
             </p:txBody>
           </p:sp>
         </mc:Choice>
-        <mc:Fallback>
+        <mc:Fallback xmlns="">
           <p:sp>
             <p:nvSpPr>
               <p:cNvPr id="3" name="内容占位符 2"/>
@@ -40364,7 +40324,7 @@
           <a:p>
             <a:fld id="{7747DCFC-6919-40DE-B306-59988C792B11}" type="datetime1">
               <a:rPr lang="zh-CN" altLang="en-US" smtClean="0"/>
-              <a:t>2021/1/23</a:t>
+              <a:t>2021/3/18</a:t>
             </a:fld>
             <a:endParaRPr lang="zh-CN" altLang="en-US" dirty="0"/>
           </a:p>
@@ -40477,8 +40437,8 @@
           </a:p>
         </p:txBody>
       </p:sp>
-      <mc:AlternateContent xmlns:mc="http://schemas.openxmlformats.org/markup-compatibility/2006">
-        <mc:Choice xmlns:a14="http://schemas.microsoft.com/office/drawing/2010/main" Requires="a14">
+      <mc:AlternateContent xmlns:mc="http://schemas.openxmlformats.org/markup-compatibility/2006" xmlns:a14="http://schemas.microsoft.com/office/drawing/2010/main">
+        <mc:Choice Requires="a14">
           <p:sp>
             <p:nvSpPr>
               <p:cNvPr id="3" name="内容占位符 2"/>
@@ -40864,7 +40824,7 @@
             </p:txBody>
           </p:sp>
         </mc:Choice>
-        <mc:Fallback>
+        <mc:Fallback xmlns="">
           <p:sp>
             <p:nvSpPr>
               <p:cNvPr id="3" name="内容占位符 2"/>
@@ -40915,7 +40875,7 @@
           <a:p>
             <a:fld id="{7747DCFC-6919-40DE-B306-59988C792B11}" type="datetime1">
               <a:rPr lang="zh-CN" altLang="en-US" smtClean="0"/>
-              <a:t>2021/1/23</a:t>
+              <a:t>2021/3/18</a:t>
             </a:fld>
             <a:endParaRPr lang="zh-CN" altLang="en-US" dirty="0"/>
           </a:p>
@@ -41028,8 +40988,8 @@
           </a:p>
         </p:txBody>
       </p:sp>
-      <mc:AlternateContent xmlns:mc="http://schemas.openxmlformats.org/markup-compatibility/2006">
-        <mc:Choice xmlns:a14="http://schemas.microsoft.com/office/drawing/2010/main" Requires="a14">
+      <mc:AlternateContent xmlns:mc="http://schemas.openxmlformats.org/markup-compatibility/2006" xmlns:a14="http://schemas.microsoft.com/office/drawing/2010/main">
+        <mc:Choice Requires="a14">
           <p:sp>
             <p:nvSpPr>
               <p:cNvPr id="3" name="内容占位符 2"/>
@@ -41586,7 +41546,7 @@
             </p:txBody>
           </p:sp>
         </mc:Choice>
-        <mc:Fallback>
+        <mc:Fallback xmlns="">
           <p:sp>
             <p:nvSpPr>
               <p:cNvPr id="3" name="内容占位符 2"/>
@@ -41637,7 +41597,7 @@
           <a:p>
             <a:fld id="{7747DCFC-6919-40DE-B306-59988C792B11}" type="datetime1">
               <a:rPr lang="zh-CN" altLang="en-US" smtClean="0"/>
-              <a:t>2021/1/23</a:t>
+              <a:t>2021/3/18</a:t>
             </a:fld>
             <a:endParaRPr lang="zh-CN" altLang="en-US" dirty="0"/>
           </a:p>
@@ -41750,8 +41710,8 @@
           </a:p>
         </p:txBody>
       </p:sp>
-      <mc:AlternateContent xmlns:mc="http://schemas.openxmlformats.org/markup-compatibility/2006">
-        <mc:Choice xmlns:a14="http://schemas.microsoft.com/office/drawing/2010/main" Requires="a14">
+      <mc:AlternateContent xmlns:mc="http://schemas.openxmlformats.org/markup-compatibility/2006" xmlns:a14="http://schemas.microsoft.com/office/drawing/2010/main">
+        <mc:Choice Requires="a14">
           <p:sp>
             <p:nvSpPr>
               <p:cNvPr id="3" name="内容占位符 2"/>
@@ -42786,7 +42746,7 @@
             </p:txBody>
           </p:sp>
         </mc:Choice>
-        <mc:Fallback>
+        <mc:Fallback xmlns="">
           <p:sp>
             <p:nvSpPr>
               <p:cNvPr id="3" name="内容占位符 2"/>
@@ -42837,7 +42797,7 @@
           <a:p>
             <a:fld id="{7747DCFC-6919-40DE-B306-59988C792B11}" type="datetime1">
               <a:rPr lang="zh-CN" altLang="en-US" smtClean="0"/>
-              <a:t>2021/1/23</a:t>
+              <a:t>2021/3/18</a:t>
             </a:fld>
             <a:endParaRPr lang="zh-CN" altLang="en-US" dirty="0"/>
           </a:p>
@@ -42950,8 +42910,8 @@
           </a:p>
         </p:txBody>
       </p:sp>
-      <mc:AlternateContent xmlns:mc="http://schemas.openxmlformats.org/markup-compatibility/2006">
-        <mc:Choice xmlns:a14="http://schemas.microsoft.com/office/drawing/2010/main" Requires="a14">
+      <mc:AlternateContent xmlns:mc="http://schemas.openxmlformats.org/markup-compatibility/2006" xmlns:a14="http://schemas.microsoft.com/office/drawing/2010/main">
+        <mc:Choice Requires="a14">
           <p:sp>
             <p:nvSpPr>
               <p:cNvPr id="3" name="内容占位符 2"/>
@@ -43683,7 +43643,7 @@
             </p:txBody>
           </p:sp>
         </mc:Choice>
-        <mc:Fallback>
+        <mc:Fallback xmlns="">
           <p:sp>
             <p:nvSpPr>
               <p:cNvPr id="3" name="内容占位符 2"/>
@@ -43734,7 +43694,7 @@
           <a:p>
             <a:fld id="{7747DCFC-6919-40DE-B306-59988C792B11}" type="datetime1">
               <a:rPr lang="zh-CN" altLang="en-US" smtClean="0"/>
-              <a:t>2021/1/23</a:t>
+              <a:t>2021/3/18</a:t>
             </a:fld>
             <a:endParaRPr lang="zh-CN" altLang="en-US" dirty="0"/>
           </a:p>
@@ -43847,8 +43807,8 @@
           </a:p>
         </p:txBody>
       </p:sp>
-      <mc:AlternateContent xmlns:mc="http://schemas.openxmlformats.org/markup-compatibility/2006">
-        <mc:Choice xmlns:a14="http://schemas.microsoft.com/office/drawing/2010/main" Requires="a14">
+      <mc:AlternateContent xmlns:mc="http://schemas.openxmlformats.org/markup-compatibility/2006" xmlns:a14="http://schemas.microsoft.com/office/drawing/2010/main">
+        <mc:Choice Requires="a14">
           <p:sp>
             <p:nvSpPr>
               <p:cNvPr id="3" name="内容占位符 2"/>
@@ -45117,7 +45077,7 @@
             </p:txBody>
           </p:sp>
         </mc:Choice>
-        <mc:Fallback>
+        <mc:Fallback xmlns="">
           <p:sp>
             <p:nvSpPr>
               <p:cNvPr id="3" name="内容占位符 2"/>
@@ -45168,7 +45128,7 @@
           <a:p>
             <a:fld id="{7747DCFC-6919-40DE-B306-59988C792B11}" type="datetime1">
               <a:rPr lang="zh-CN" altLang="en-US" smtClean="0"/>
-              <a:t>2021/1/23</a:t>
+              <a:t>2021/3/18</a:t>
             </a:fld>
             <a:endParaRPr lang="zh-CN" altLang="en-US" dirty="0"/>
           </a:p>
@@ -45366,7 +45326,7 @@
           <a:p>
             <a:fld id="{7747DCFC-6919-40DE-B306-59988C792B11}" type="datetime1">
               <a:rPr lang="zh-CN" altLang="en-US" smtClean="0"/>
-              <a:t>2021/1/23</a:t>
+              <a:t>2021/3/18</a:t>
             </a:fld>
             <a:endParaRPr lang="zh-CN" altLang="en-US" dirty="0"/>
           </a:p>
@@ -45939,7 +45899,7 @@
           <a:p>
             <a:fld id="{7747DCFC-6919-40DE-B306-59988C792B11}" type="datetime1">
               <a:rPr lang="zh-CN" altLang="en-US" smtClean="0"/>
-              <a:t>2021/1/21</a:t>
+              <a:t>2021/3/18</a:t>
             </a:fld>
             <a:endParaRPr lang="zh-CN" altLang="en-US" dirty="0"/>
           </a:p>
@@ -48879,7 +48839,7 @@
           <a:p>
             <a:fld id="{7747DCFC-6919-40DE-B306-59988C792B11}" type="datetime1">
               <a:rPr lang="zh-CN" altLang="en-US" smtClean="0"/>
-              <a:t>2021/1/23</a:t>
+              <a:t>2021/3/18</a:t>
             </a:fld>
             <a:endParaRPr lang="zh-CN" altLang="en-US" dirty="0"/>
           </a:p>
@@ -49016,8 +48976,12 @@
               <a:t>FFT,</a:t>
             </a:r>
             <a:r>
+              <a:rPr lang="zh-CN" altLang="en-US" dirty="0"/>
+              <a:t>我们就可以直接把</a:t>
+            </a:r>
+            <a:r>
               <a:rPr lang="zh-CN" altLang="en-US" dirty="0" smtClean="0"/>
-              <a:t>我们直接把高精度当成一个多项式后直接暴力多项式乘法</a:t>
+              <a:t>高精度当成一个多项式后直接暴力多项式乘法</a:t>
             </a:r>
             <a:r>
               <a:rPr lang="en-US" altLang="zh-CN" dirty="0" smtClean="0"/>
@@ -49052,7 +49016,7 @@
           <a:p>
             <a:fld id="{7747DCFC-6919-40DE-B306-59988C792B11}" type="datetime1">
               <a:rPr lang="zh-CN" altLang="en-US" smtClean="0"/>
-              <a:t>2021/1/23</a:t>
+              <a:t>2021/3/18</a:t>
             </a:fld>
             <a:endParaRPr lang="zh-CN" altLang="en-US" dirty="0"/>
           </a:p>
@@ -49248,7 +49212,11 @@
           <a:p>
             <a:r>
               <a:rPr lang="zh-CN" altLang="en-US" dirty="0" smtClean="0"/>
-              <a:t>考虑直接除是很慢的</a:t>
+              <a:t>直接暴力模拟竖式除</a:t>
+            </a:r>
+            <a:r>
+              <a:rPr lang="zh-CN" altLang="en-US" dirty="0" smtClean="0"/>
+              <a:t>是很慢的</a:t>
             </a:r>
             <a:r>
               <a:rPr lang="en-US" altLang="zh-CN" dirty="0" smtClean="0"/>
@@ -49292,6 +49260,17 @@
               <a:rPr lang="en-US" altLang="zh-CN" dirty="0" smtClean="0"/>
               <a:t>.</a:t>
             </a:r>
+          </a:p>
+          <a:p>
+            <a:r>
+              <a:rPr lang="zh-CN" altLang="en-US" dirty="0" smtClean="0"/>
+              <a:t>然而除了模板题貌似没什么用</a:t>
+            </a:r>
+            <a:r>
+              <a:rPr lang="en-US" altLang="zh-CN" dirty="0" smtClean="0"/>
+              <a:t>.</a:t>
+            </a:r>
+            <a:endParaRPr lang="en-US" altLang="zh-CN" dirty="0" smtClean="0"/>
           </a:p>
         </p:txBody>
       </p:sp>
@@ -49312,7 +49291,7 @@
           <a:p>
             <a:fld id="{7747DCFC-6919-40DE-B306-59988C792B11}" type="datetime1">
               <a:rPr lang="zh-CN" altLang="en-US" smtClean="0"/>
-              <a:t>2021/1/23</a:t>
+              <a:t>2021/3/18</a:t>
             </a:fld>
             <a:endParaRPr lang="zh-CN" altLang="en-US" dirty="0"/>
           </a:p>
@@ -49483,8 +49462,8 @@
           </a:p>
         </p:txBody>
       </p:sp>
-      <mc:AlternateContent xmlns:mc="http://schemas.openxmlformats.org/markup-compatibility/2006">
-        <mc:Choice xmlns:a14="http://schemas.microsoft.com/office/drawing/2010/main" Requires="a14">
+      <mc:AlternateContent xmlns:mc="http://schemas.openxmlformats.org/markup-compatibility/2006" xmlns:a14="http://schemas.microsoft.com/office/drawing/2010/main">
+        <mc:Choice Requires="a14">
           <p:sp>
             <p:nvSpPr>
               <p:cNvPr id="3" name="内容占位符 2"/>
@@ -50244,7 +50223,7 @@
             </p:txBody>
           </p:sp>
         </mc:Choice>
-        <mc:Fallback>
+        <mc:Fallback xmlns="">
           <p:sp>
             <p:nvSpPr>
               <p:cNvPr id="3" name="内容占位符 2"/>
@@ -50295,7 +50274,7 @@
           <a:p>
             <a:fld id="{7747DCFC-6919-40DE-B306-59988C792B11}" type="datetime1">
               <a:rPr lang="zh-CN" altLang="en-US" smtClean="0"/>
-              <a:t>2021/1/23</a:t>
+              <a:t>2021/3/18</a:t>
             </a:fld>
             <a:endParaRPr lang="zh-CN" altLang="en-US" dirty="0"/>
           </a:p>
@@ -50448,7 +50427,7 @@
           <a:p>
             <a:fld id="{7747DCFC-6919-40DE-B306-59988C792B11}" type="datetime1">
               <a:rPr lang="zh-CN" altLang="en-US" smtClean="0"/>
-              <a:t>2021/1/23</a:t>
+              <a:t>2021/3/18</a:t>
             </a:fld>
             <a:endParaRPr lang="zh-CN" altLang="en-US" dirty="0"/>
           </a:p>
@@ -50690,46 +50669,46 @@
               <a:t>题解 </a:t>
             </a:r>
             <a:r>
+              <a:rPr lang="en-US" altLang="zh-CN" b="1" dirty="0" smtClean="0">
+                <a:hlinkClick r:id="rId4"/>
+              </a:rPr>
+              <a:t>P3803【</a:t>
+            </a:r>
+            <a:r>
+              <a:rPr lang="zh-CN" altLang="en-US" b="1" dirty="0">
+                <a:hlinkClick r:id="rId4"/>
+              </a:rPr>
+              <a:t>模板</a:t>
+            </a:r>
+            <a:r>
               <a:rPr lang="en-US" altLang="zh-CN" b="1" dirty="0">
                 <a:hlinkClick r:id="rId4"/>
               </a:rPr>
-              <a:t>P3803 </a:t>
+              <a:t>】</a:t>
+            </a:r>
+            <a:r>
+              <a:rPr lang="zh-CN" altLang="en-US" b="1" dirty="0">
+                <a:hlinkClick r:id="rId4"/>
+              </a:rPr>
+              <a:t>多项式</a:t>
+            </a:r>
+            <a:r>
+              <a:rPr lang="zh-CN" altLang="en-US" b="1" dirty="0" smtClean="0">
+                <a:hlinkClick r:id="rId4"/>
+              </a:rPr>
+              <a:t>乘法</a:t>
             </a:r>
             <a:r>
               <a:rPr lang="en-US" altLang="zh-CN" b="1" dirty="0" smtClean="0">
                 <a:hlinkClick r:id="rId4"/>
               </a:rPr>
-              <a:t>[【</a:t>
-            </a:r>
-            <a:r>
-              <a:rPr lang="zh-CN" altLang="en-US" b="1" dirty="0">
-                <a:hlinkClick r:id="rId4"/>
-              </a:rPr>
-              <a:t>模板</a:t>
-            </a:r>
-            <a:r>
-              <a:rPr lang="en-US" altLang="zh-CN" b="1" dirty="0">
-                <a:hlinkClick r:id="rId4"/>
-              </a:rPr>
-              <a:t>】</a:t>
-            </a:r>
-            <a:r>
-              <a:rPr lang="zh-CN" altLang="en-US" b="1" dirty="0">
-                <a:hlinkClick r:id="rId4"/>
-              </a:rPr>
-              <a:t>多项式</a:t>
-            </a:r>
-            <a:r>
-              <a:rPr lang="zh-CN" altLang="en-US" b="1" dirty="0" smtClean="0">
-                <a:hlinkClick r:id="rId4"/>
-              </a:rPr>
-              <a:t>乘法</a:t>
+              <a:t>(FFT</a:t>
             </a:r>
             <a:r>
               <a:rPr lang="en-US" altLang="zh-CN" b="1" dirty="0" smtClean="0">
                 <a:hlinkClick r:id="rId4"/>
               </a:rPr>
-              <a:t>(FFT)]</a:t>
+              <a:t>)</a:t>
             </a:r>
             <a:endParaRPr lang="zh-CN" altLang="en-US" b="1" dirty="0"/>
           </a:p>
@@ -50752,7 +50731,7 @@
           <a:p>
             <a:fld id="{7747DCFC-6919-40DE-B306-59988C792B11}" type="datetime1">
               <a:rPr lang="zh-CN" altLang="en-US" smtClean="0"/>
-              <a:t>2021/1/23</a:t>
+              <a:t>2021/3/18</a:t>
             </a:fld>
             <a:endParaRPr lang="zh-CN" altLang="en-US" dirty="0"/>
           </a:p>
@@ -50938,7 +50917,7 @@
           <a:p>
             <a:fld id="{7747DCFC-6919-40DE-B306-59988C792B11}" type="datetime1">
               <a:rPr lang="zh-CN" altLang="en-US" smtClean="0"/>
-              <a:t>2021/1/21</a:t>
+              <a:t>2021/3/18</a:t>
             </a:fld>
             <a:endParaRPr lang="zh-CN" altLang="en-US" dirty="0"/>
           </a:p>
@@ -51220,7 +51199,7 @@
           <a:p>
             <a:fld id="{7747DCFC-6919-40DE-B306-59988C792B11}" type="datetime1">
               <a:rPr lang="zh-CN" altLang="en-US" smtClean="0"/>
-              <a:t>2021/1/21</a:t>
+              <a:t>2021/3/18</a:t>
             </a:fld>
             <a:endParaRPr lang="zh-CN" altLang="en-US" dirty="0"/>
           </a:p>
@@ -53341,7 +53320,7 @@
           <a:p>
             <a:fld id="{7747DCFC-6919-40DE-B306-59988C792B11}" type="datetime1">
               <a:rPr lang="zh-CN" altLang="en-US" smtClean="0"/>
-              <a:t>2021/1/21</a:t>
+              <a:t>2021/3/18</a:t>
             </a:fld>
             <a:endParaRPr lang="zh-CN" altLang="en-US" dirty="0"/>
           </a:p>
